--- a/Poster/CURO Poster.pptx
+++ b/Poster/CURO Poster.pptx
@@ -243,7 +243,7 @@
           <a:p>
             <a:fld id="{2FA6A2F1-0A0D-4DF3-8C89-FE1F8A48782A}" type="datetimeFigureOut">
               <a:rPr lang="en-US" smtClean="0"/>
-              <a:t>3/23/2017</a:t>
+              <a:t>3/25/2017</a:t>
             </a:fld>
             <a:endParaRPr lang="en-US"/>
           </a:p>
@@ -413,7 +413,7 @@
           <a:p>
             <a:fld id="{2FA6A2F1-0A0D-4DF3-8C89-FE1F8A48782A}" type="datetimeFigureOut">
               <a:rPr lang="en-US" smtClean="0"/>
-              <a:t>3/23/2017</a:t>
+              <a:t>3/25/2017</a:t>
             </a:fld>
             <a:endParaRPr lang="en-US"/>
           </a:p>
@@ -593,7 +593,7 @@
           <a:p>
             <a:fld id="{2FA6A2F1-0A0D-4DF3-8C89-FE1F8A48782A}" type="datetimeFigureOut">
               <a:rPr lang="en-US" smtClean="0"/>
-              <a:t>3/23/2017</a:t>
+              <a:t>3/25/2017</a:t>
             </a:fld>
             <a:endParaRPr lang="en-US"/>
           </a:p>
@@ -763,7 +763,7 @@
           <a:p>
             <a:fld id="{2FA6A2F1-0A0D-4DF3-8C89-FE1F8A48782A}" type="datetimeFigureOut">
               <a:rPr lang="en-US" smtClean="0"/>
-              <a:t>3/23/2017</a:t>
+              <a:t>3/25/2017</a:t>
             </a:fld>
             <a:endParaRPr lang="en-US"/>
           </a:p>
@@ -1007,7 +1007,7 @@
           <a:p>
             <a:fld id="{2FA6A2F1-0A0D-4DF3-8C89-FE1F8A48782A}" type="datetimeFigureOut">
               <a:rPr lang="en-US" smtClean="0"/>
-              <a:t>3/23/2017</a:t>
+              <a:t>3/25/2017</a:t>
             </a:fld>
             <a:endParaRPr lang="en-US"/>
           </a:p>
@@ -1239,7 +1239,7 @@
           <a:p>
             <a:fld id="{2FA6A2F1-0A0D-4DF3-8C89-FE1F8A48782A}" type="datetimeFigureOut">
               <a:rPr lang="en-US" smtClean="0"/>
-              <a:t>3/23/2017</a:t>
+              <a:t>3/25/2017</a:t>
             </a:fld>
             <a:endParaRPr lang="en-US"/>
           </a:p>
@@ -1606,7 +1606,7 @@
           <a:p>
             <a:fld id="{2FA6A2F1-0A0D-4DF3-8C89-FE1F8A48782A}" type="datetimeFigureOut">
               <a:rPr lang="en-US" smtClean="0"/>
-              <a:t>3/23/2017</a:t>
+              <a:t>3/25/2017</a:t>
             </a:fld>
             <a:endParaRPr lang="en-US"/>
           </a:p>
@@ -1724,7 +1724,7 @@
           <a:p>
             <a:fld id="{2FA6A2F1-0A0D-4DF3-8C89-FE1F8A48782A}" type="datetimeFigureOut">
               <a:rPr lang="en-US" smtClean="0"/>
-              <a:t>3/23/2017</a:t>
+              <a:t>3/25/2017</a:t>
             </a:fld>
             <a:endParaRPr lang="en-US"/>
           </a:p>
@@ -1819,7 +1819,7 @@
           <a:p>
             <a:fld id="{2FA6A2F1-0A0D-4DF3-8C89-FE1F8A48782A}" type="datetimeFigureOut">
               <a:rPr lang="en-US" smtClean="0"/>
-              <a:t>3/23/2017</a:t>
+              <a:t>3/25/2017</a:t>
             </a:fld>
             <a:endParaRPr lang="en-US"/>
           </a:p>
@@ -2096,7 +2096,7 @@
           <a:p>
             <a:fld id="{2FA6A2F1-0A0D-4DF3-8C89-FE1F8A48782A}" type="datetimeFigureOut">
               <a:rPr lang="en-US" smtClean="0"/>
-              <a:t>3/23/2017</a:t>
+              <a:t>3/25/2017</a:t>
             </a:fld>
             <a:endParaRPr lang="en-US"/>
           </a:p>
@@ -2353,7 +2353,7 @@
           <a:p>
             <a:fld id="{2FA6A2F1-0A0D-4DF3-8C89-FE1F8A48782A}" type="datetimeFigureOut">
               <a:rPr lang="en-US" smtClean="0"/>
-              <a:t>3/23/2017</a:t>
+              <a:t>3/25/2017</a:t>
             </a:fld>
             <a:endParaRPr lang="en-US"/>
           </a:p>
@@ -2571,7 +2571,7 @@
           <a:p>
             <a:fld id="{2FA6A2F1-0A0D-4DF3-8C89-FE1F8A48782A}" type="datetimeFigureOut">
               <a:rPr lang="en-US" smtClean="0"/>
-              <a:t>3/23/2017</a:t>
+              <a:t>3/25/2017</a:t>
             </a:fld>
             <a:endParaRPr lang="en-US"/>
           </a:p>
@@ -2996,6 +2996,9 @@
               <a:lumOff val="25000"/>
             </a:schemeClr>
           </a:solidFill>
+          <a:ln>
+            <a:noFill/>
+          </a:ln>
         </p:spPr>
         <p:style>
           <a:lnRef idx="2">
@@ -3652,7 +3655,7 @@
         </p:nvSpPr>
         <p:spPr>
           <a:xfrm>
-            <a:off x="952038" y="16646635"/>
+            <a:off x="960120" y="16646635"/>
             <a:ext cx="13414248" cy="1828800"/>
           </a:xfrm>
           <a:prstGeom prst="rect">
@@ -3695,7 +3698,7 @@
         </p:nvSpPr>
         <p:spPr>
           <a:xfrm>
-            <a:off x="2149903" y="17099370"/>
+            <a:off x="2157985" y="17099370"/>
             <a:ext cx="11018520" cy="923330"/>
           </a:xfrm>
           <a:prstGeom prst="rect">
@@ -3731,7 +3734,7 @@
         </p:nvSpPr>
         <p:spPr>
           <a:xfrm>
-            <a:off x="15253255" y="13821762"/>
+            <a:off x="15261336" y="11163661"/>
             <a:ext cx="13414248" cy="1828800"/>
           </a:xfrm>
           <a:prstGeom prst="rect">
@@ -3774,7 +3777,7 @@
         </p:nvSpPr>
         <p:spPr>
           <a:xfrm>
-            <a:off x="16451119" y="14274497"/>
+            <a:off x="16459200" y="11616396"/>
             <a:ext cx="11018520" cy="923330"/>
           </a:xfrm>
           <a:prstGeom prst="rect">
@@ -3810,7 +3813,7 @@
         </p:nvSpPr>
         <p:spPr>
           <a:xfrm>
-            <a:off x="29546390" y="12187324"/>
+            <a:off x="29554471" y="12186291"/>
             <a:ext cx="13414248" cy="1828800"/>
           </a:xfrm>
           <a:prstGeom prst="rect">
@@ -3853,7 +3856,7 @@
         </p:nvSpPr>
         <p:spPr>
           <a:xfrm>
-            <a:off x="30667368" y="12641001"/>
+            <a:off x="30675449" y="12639968"/>
             <a:ext cx="11018520" cy="923330"/>
           </a:xfrm>
           <a:prstGeom prst="rect">
@@ -4005,7 +4008,7 @@
         <p:spPr>
           <a:xfrm>
             <a:off x="988615" y="18493692"/>
-            <a:ext cx="13414248" cy="10125849"/>
+            <a:ext cx="13414248" cy="10618291"/>
           </a:xfrm>
           <a:prstGeom prst="rect">
             <a:avLst/>
@@ -4032,11 +4035,11 @@
                 <a:latin typeface="Arial" panose="020B0604020202020204" pitchFamily="34" charset="0"/>
                 <a:cs typeface="Arial" panose="020B0604020202020204" pitchFamily="34" charset="0"/>
               </a:rPr>
-              <a:t>Semi-Supervised Classification uses both labeled and unlabeled data in order to predict the classification of unseen data. For our project, the labeled data consists of 20 manually labeled vaccine webpage documents. The documents are labeled as either TRUE or MISINFORMED after checking each page against numerous sources. The unlabeled data consists of 1095 vaccine webpage documents collected through the use of Google’s Custom Search API [1] and Python’s Goose-Extractor Library [2].  We then attempt to infer the label of the unlabeled examples in advance before building the classifier (transductive learning). This is accomplished through the use of the Doc2Vec algorithm [3]. </a:t>
-            </a:r>
-          </a:p>
-          <a:p>
-            <a:endParaRPr lang="en-US" sz="2800" dirty="0">
+              <a:t>Semi-Supervised Classification uses both labeled and unlabeled data in order to predict the classification of unseen data. For our project, the labeled data consists of 20 manually labeled vaccine webpage documents as either TRUE or MISINFORMED. The unlabeled data consists of 1095 vaccine webpage documents collected through the use of Google’s Custom Search API [1] and Python’s Goose-Extractor Library [2].  We then attempt to infer the label of the unlabeled examples in advance before building the classifier (transductive learning). This is accomplished through the use of the Doc2Vec algorithm [3]. </a:t>
+            </a:r>
+          </a:p>
+          <a:p>
+            <a:endParaRPr lang="en-US" sz="3200" b="1" dirty="0">
               <a:latin typeface="Arial" panose="020B0604020202020204" pitchFamily="34" charset="0"/>
               <a:cs typeface="Arial" panose="020B0604020202020204" pitchFamily="34" charset="0"/>
             </a:endParaRPr>
@@ -4056,7 +4059,7 @@
                 <a:latin typeface="Arial" panose="020B0604020202020204" pitchFamily="34" charset="0"/>
                 <a:cs typeface="Arial" panose="020B0604020202020204" pitchFamily="34" charset="0"/>
               </a:rPr>
-              <a:t>Doc2Vec is a low-dimensional document embedding algorithm that represents a document in vector space. We build document embedding for all the collected documents on vaccines, and then use pairwise cosine similarities (formula shown below) between document vectors to infer labels. </a:t>
+              <a:t>Doc2Vec is a low-dimensional document embedding algorithm that represents a document in vector space. We build document embedding for all the collected documents on vaccines, and then use pairwise cosine similarities (formula shown below) between document vectors to infer labels. After inferring the labels of our unknown documents, our collection contained 1,021 TRUE documents (91.6%) and 94 MISINFORMED documents (8.4%). </a:t>
             </a:r>
           </a:p>
           <a:p>
@@ -4146,7 +4149,7 @@
         </p:blipFill>
         <p:spPr>
           <a:xfrm>
-            <a:off x="3930203" y="25453319"/>
+            <a:off x="3917349" y="25803678"/>
             <a:ext cx="7474082" cy="1494816"/>
           </a:xfrm>
           <a:prstGeom prst="rect">
@@ -4162,7 +4165,7 @@
         </p:nvSpPr>
         <p:spPr>
           <a:xfrm>
-            <a:off x="29540223" y="28068951"/>
+            <a:off x="29562552" y="28067805"/>
             <a:ext cx="13414248" cy="1828800"/>
           </a:xfrm>
           <a:prstGeom prst="rect">
@@ -4205,7 +4208,7 @@
         </p:nvSpPr>
         <p:spPr>
           <a:xfrm>
-            <a:off x="30890558" y="28521686"/>
+            <a:off x="30912887" y="28520540"/>
             <a:ext cx="11018520" cy="923330"/>
           </a:xfrm>
           <a:prstGeom prst="rect">
@@ -4375,8 +4378,8 @@
         </p:nvSpPr>
         <p:spPr>
           <a:xfrm>
-            <a:off x="15261336" y="6377325"/>
-            <a:ext cx="13414248" cy="7478970"/>
+            <a:off x="15261336" y="6304547"/>
+            <a:ext cx="13414248" cy="4893647"/>
           </a:xfrm>
           <a:prstGeom prst="rect">
             <a:avLst/>
@@ -4456,22 +4459,7 @@
                 <a:latin typeface="Arial" panose="020B0604020202020204" pitchFamily="34" charset="0"/>
                 <a:cs typeface="Arial" panose="020B0604020202020204" pitchFamily="34" charset="0"/>
               </a:rPr>
-              <a:t>Build classification models using only the known labeled documents. Predict to see what the model thinks the label for the unknown documents would be. Compute the proportion of what cosine distance inference and the model prediction results in. </a:t>
-            </a:r>
-          </a:p>
-          <a:p>
-            <a:endParaRPr lang="en-US" sz="2800" dirty="0">
-              <a:latin typeface="Arial" panose="020B0604020202020204" pitchFamily="34" charset="0"/>
-              <a:cs typeface="Arial" panose="020B0604020202020204" pitchFamily="34" charset="0"/>
-            </a:endParaRPr>
-          </a:p>
-          <a:p>
-            <a:r>
-              <a:rPr lang="en-US" sz="2800" dirty="0">
-                <a:latin typeface="Arial" panose="020B0604020202020204" pitchFamily="34" charset="0"/>
-                <a:cs typeface="Arial" panose="020B0604020202020204" pitchFamily="34" charset="0"/>
-              </a:rPr>
-              <a:t>All 4 of these tasks are tested on 5 different machine learning algorithms: Logistic Regression, Naïve Bayes, SVM, Random Forests, and K-Nearest Neighbors. </a:t>
+              <a:t>Repeat Task 3 with known documents only as the training data. </a:t>
             </a:r>
           </a:p>
         </p:txBody>
@@ -4508,8 +4496,8 @@
         </p:blipFill>
         <p:spPr>
           <a:xfrm>
-            <a:off x="14425192" y="17548299"/>
-            <a:ext cx="7997261" cy="6001102"/>
+            <a:off x="16501413" y="11616396"/>
+            <a:ext cx="11122505" cy="8346269"/>
           </a:xfrm>
           <a:prstGeom prst="rect">
             <a:avLst/>
@@ -4548,8 +4536,8 @@
         </p:blipFill>
         <p:spPr>
           <a:xfrm>
-            <a:off x="21063205" y="17548651"/>
-            <a:ext cx="8001000" cy="6000750"/>
+            <a:off x="16503113" y="16628378"/>
+            <a:ext cx="11119104" cy="8339328"/>
           </a:xfrm>
           <a:prstGeom prst="rect">
             <a:avLst/>
@@ -4558,45 +4546,13 @@
       </p:pic>
       <p:sp>
         <p:nvSpPr>
-          <p:cNvPr id="39" name="TextBox 38"/>
-          <p:cNvSpPr txBox="1"/>
-          <p:nvPr/>
-        </p:nvSpPr>
-        <p:spPr>
-          <a:xfrm>
-            <a:off x="15289831" y="15679144"/>
-            <a:ext cx="13414248" cy="2677656"/>
-          </a:xfrm>
-          <a:prstGeom prst="rect">
-            <a:avLst/>
-          </a:prstGeom>
-          <a:noFill/>
-        </p:spPr>
-        <p:txBody>
-          <a:bodyPr wrap="square" rtlCol="0">
-            <a:spAutoFit/>
-          </a:bodyPr>
-          <a:lstStyle/>
-          <a:p>
-            <a:r>
-              <a:rPr lang="en-US" sz="2800" dirty="0">
-                <a:latin typeface="Arial" panose="020B0604020202020204" pitchFamily="34" charset="0"/>
-                <a:cs typeface="Arial" panose="020B0604020202020204" pitchFamily="34" charset="0"/>
-              </a:rPr>
-              <a:t>After inferring labels of our unknown documents using the pairwise cosine distance measurements of our doc2vec feature vectors, our collection of documents contained 1,021 TRUE documents (91.6%) and 94 MISINFORMED documents (8.4%). These numbers make sense given that we’d expect more articles online to be TRUE rather than MISINFORMED. Figures 2 &amp; 3 below explore some of the differences between TRUE and MISINFORMED documents. </a:t>
-            </a:r>
-          </a:p>
-        </p:txBody>
-      </p:sp>
-      <p:sp>
-        <p:nvSpPr>
           <p:cNvPr id="41" name="TextBox 40"/>
           <p:cNvSpPr txBox="1"/>
           <p:nvPr/>
         </p:nvSpPr>
         <p:spPr>
           <a:xfrm>
-            <a:off x="15218975" y="22310194"/>
+            <a:off x="15355541" y="23054328"/>
             <a:ext cx="13414248" cy="523220"/>
           </a:xfrm>
           <a:prstGeom prst="rect">
@@ -4664,8 +4620,8 @@
         </p:blipFill>
         <p:spPr>
           <a:xfrm>
-            <a:off x="16289503" y="22667546"/>
-            <a:ext cx="11414904" cy="8561178"/>
+            <a:off x="17025810" y="23092560"/>
+            <a:ext cx="11119104" cy="8339328"/>
           </a:xfrm>
           <a:prstGeom prst="rect">
             <a:avLst/>
@@ -4724,7 +4680,7 @@
         </p:nvSpPr>
         <p:spPr>
           <a:xfrm>
-            <a:off x="15338709" y="31215419"/>
+            <a:off x="15355541" y="31284677"/>
             <a:ext cx="13414248" cy="523220"/>
           </a:xfrm>
           <a:prstGeom prst="rect">

--- a/Poster/CURO Poster.pptx
+++ b/Poster/CURO Poster.pptx
@@ -4874,7 +4874,21 @@
                 <a:latin typeface="Arial" panose="020B0604020202020204" pitchFamily="34" charset="0"/>
                 <a:cs typeface="Arial" panose="020B0604020202020204" pitchFamily="34" charset="0"/>
               </a:rPr>
-              <a:t>The more important question remains of what truly makes a document reliable or not. We gain a few insights from our Word Clouds in Fig. 2 as it relates to vaccination. It is clear that there are several terms that are mentioned more heavily in MISINFORMED versus TRUE documents, such as autism, flu vaccine, CDC, thimerosal, mercury, cause, death. On the other hand, terms such as, study, parent, case, may, side effect, and time appear more in TRUE documents. To gain further insight, we attempt to interpret the results of the t-SNE visualization to see if TRUE and MISINFORMED documents look different in 2-dimensional space, but there are no apparent patterns. Future works should look to expand upon this issue. </a:t>
+              <a:t>The more important question remains of what truly makes a document reliable or not. We gain a few insights from our Word Clouds in Fig. 2 as it relates to vaccination. It is clear that there are several terms that are mentioned more heavily in MISINFORMED versus TRUE documents, such as autism, flu vaccine, CDC, thimerosal, mercury, </a:t>
+            </a:r>
+            <a:r>
+              <a:rPr lang="en-US" sz="2800">
+                <a:latin typeface="Arial" panose="020B0604020202020204" pitchFamily="34" charset="0"/>
+                <a:cs typeface="Arial" panose="020B0604020202020204" pitchFamily="34" charset="0"/>
+              </a:rPr>
+              <a:t>cause, and </a:t>
+            </a:r>
+            <a:r>
+              <a:rPr lang="en-US" sz="2800" dirty="0">
+                <a:latin typeface="Arial" panose="020B0604020202020204" pitchFamily="34" charset="0"/>
+                <a:cs typeface="Arial" panose="020B0604020202020204" pitchFamily="34" charset="0"/>
+              </a:rPr>
+              <a:t>death. On the other hand, terms such as, study, parent, case, may, side effect, and time appear more in TRUE documents. To gain further insight, we attempt to interpret the results of the t-SNE visualization to see if TRUE and MISINFORMED documents look different in 2-dimensional space, but there are no apparent patterns. Future works should look to expand upon this issue. </a:t>
             </a:r>
           </a:p>
         </p:txBody>
